--- a/SEND_ALGORITHM/Apresentação Final.pptx
+++ b/SEND_ALGORITHM/Apresentação Final.pptx
@@ -19734,8 +19734,8 @@
         </p:nvSpPr>
         <p:spPr>
           <a:xfrm>
-            <a:off x="96683" y="3884452"/>
-            <a:ext cx="5437413" cy="2398713"/>
+            <a:off x="504898" y="3877968"/>
+            <a:ext cx="3814010" cy="2398713"/>
           </a:xfrm>
         </p:spPr>
         <p:txBody>
@@ -25485,9 +25485,59 @@
           </a:bodyPr>
           <a:lstStyle/>
           <a:p>
+            <a:pPr>
+              <a:lnSpc>
+                <a:spcPct val="80000"/>
+              </a:lnSpc>
+            </a:pPr>
             <a:r>
-              <a:rPr lang="pt-PT" sz="1400" dirty="0"/>
-              <a:t>Apresentamos de seguida a aplicação construída…</a:t>
+              <a:rPr lang="pt-PT" sz="1500" dirty="0">
+                <a:latin typeface="Arial" panose="020B0604020202020204" pitchFamily="34" charset="0"/>
+                <a:cs typeface="Arial" panose="020B0604020202020204" pitchFamily="34" charset="0"/>
+              </a:rPr>
+              <a:t>Consciencialização e aprendizagem no uso de ferramentas como o GitHub, GitHub Desktop, VSC e </a:t>
+            </a:r>
+            <a:r>
+              <a:rPr lang="pt-PT" sz="1500" dirty="0" err="1">
+                <a:latin typeface="Arial" panose="020B0604020202020204" pitchFamily="34" charset="0"/>
+                <a:cs typeface="Arial" panose="020B0604020202020204" pitchFamily="34" charset="0"/>
+              </a:rPr>
+              <a:t>notepad</a:t>
+            </a:r>
+            <a:r>
+              <a:rPr lang="pt-PT" sz="1500" dirty="0">
+                <a:latin typeface="Arial" panose="020B0604020202020204" pitchFamily="34" charset="0"/>
+                <a:cs typeface="Arial" panose="020B0604020202020204" pitchFamily="34" charset="0"/>
+              </a:rPr>
+              <a:t>++;</a:t>
+            </a:r>
+          </a:p>
+          <a:p>
+            <a:pPr>
+              <a:lnSpc>
+                <a:spcPct val="80000"/>
+              </a:lnSpc>
+            </a:pPr>
+            <a:r>
+              <a:rPr lang="pt-PT" sz="1500" dirty="0">
+                <a:latin typeface="Arial" panose="020B0604020202020204" pitchFamily="34" charset="0"/>
+                <a:cs typeface="Arial" panose="020B0604020202020204" pitchFamily="34" charset="0"/>
+              </a:rPr>
+              <a:t>Apesar das dificuldades em escolher a melhor forma de programar o que nos foi proposto, pensamos que os objetivos foram alcançados; </a:t>
+            </a:r>
+          </a:p>
+          <a:p>
+            <a:pPr>
+              <a:lnSpc>
+                <a:spcPct val="80000"/>
+              </a:lnSpc>
+            </a:pPr>
+            <a:r>
+              <a:rPr lang="pt-PT" sz="1500" dirty="0">
+                <a:latin typeface="Arial" panose="020B0604020202020204" pitchFamily="34" charset="0"/>
+                <a:cs typeface="Arial" panose="020B0604020202020204" pitchFamily="34" charset="0"/>
+              </a:rPr>
+              <a:t>Apresentamos de seguida a aplicação…</a:t>
             </a:r>
           </a:p>
           <a:p>

--- a/SEND_ALGORITHM/Apresentação Final.pptx
+++ b/SEND_ALGORITHM/Apresentação Final.pptx
@@ -14353,6 +14353,28 @@
             </a:r>
           </a:p>
           <a:p>
+            <a:pPr marL="0" indent="0">
+              <a:lnSpc>
+                <a:spcPct val="120000"/>
+              </a:lnSpc>
+              <a:buNone/>
+            </a:pPr>
+            <a:r>
+              <a:rPr lang="pt-PT" sz="5600" b="1" dirty="0">
+                <a:latin typeface="Arial" panose="020B0604020202020204" pitchFamily="34" charset="0"/>
+                <a:cs typeface="Arial" panose="020B0604020202020204" pitchFamily="34" charset="0"/>
+              </a:rPr>
+              <a:t>Nota: </a:t>
+            </a:r>
+            <a:r>
+              <a:rPr lang="pt-PT" sz="5600" dirty="0">
+                <a:latin typeface="Arial" panose="020B0604020202020204" pitchFamily="34" charset="0"/>
+                <a:cs typeface="Arial" panose="020B0604020202020204" pitchFamily="34" charset="0"/>
+              </a:rPr>
+              <a:t>Temos ficheiros no GitHub que não fazem parte do programa (foram testes);</a:t>
+            </a:r>
+          </a:p>
+          <a:p>
             <a:endParaRPr lang="pt-PT" sz="2000" dirty="0"/>
           </a:p>
         </p:txBody>

--- a/SEND_ALGORITHM/Apresentação Final.pptx
+++ b/SEND_ALGORITHM/Apresentação Final.pptx
@@ -266,7 +266,7 @@
           <a:p>
             <a:fld id="{0D207CA6-5F4A-49FC-89B5-44753006BB6B}" type="datetimeFigureOut">
               <a:rPr lang="pt-PT" smtClean="0"/>
-              <a:t>10/07/2023</a:t>
+              <a:t>11/07/2023</a:t>
             </a:fld>
             <a:endParaRPr lang="pt-PT"/>
           </a:p>
@@ -464,7 +464,7 @@
           <a:p>
             <a:fld id="{0D207CA6-5F4A-49FC-89B5-44753006BB6B}" type="datetimeFigureOut">
               <a:rPr lang="pt-PT" smtClean="0"/>
-              <a:t>10/07/2023</a:t>
+              <a:t>11/07/2023</a:t>
             </a:fld>
             <a:endParaRPr lang="pt-PT"/>
           </a:p>
@@ -672,7 +672,7 @@
           <a:p>
             <a:fld id="{0D207CA6-5F4A-49FC-89B5-44753006BB6B}" type="datetimeFigureOut">
               <a:rPr lang="pt-PT" smtClean="0"/>
-              <a:t>10/07/2023</a:t>
+              <a:t>11/07/2023</a:t>
             </a:fld>
             <a:endParaRPr lang="pt-PT"/>
           </a:p>
@@ -870,7 +870,7 @@
           <a:p>
             <a:fld id="{0D207CA6-5F4A-49FC-89B5-44753006BB6B}" type="datetimeFigureOut">
               <a:rPr lang="pt-PT" smtClean="0"/>
-              <a:t>10/07/2023</a:t>
+              <a:t>11/07/2023</a:t>
             </a:fld>
             <a:endParaRPr lang="pt-PT"/>
           </a:p>
@@ -1145,7 +1145,7 @@
           <a:p>
             <a:fld id="{0D207CA6-5F4A-49FC-89B5-44753006BB6B}" type="datetimeFigureOut">
               <a:rPr lang="pt-PT" smtClean="0"/>
-              <a:t>10/07/2023</a:t>
+              <a:t>11/07/2023</a:t>
             </a:fld>
             <a:endParaRPr lang="pt-PT"/>
           </a:p>
@@ -1410,7 +1410,7 @@
           <a:p>
             <a:fld id="{0D207CA6-5F4A-49FC-89B5-44753006BB6B}" type="datetimeFigureOut">
               <a:rPr lang="pt-PT" smtClean="0"/>
-              <a:t>10/07/2023</a:t>
+              <a:t>11/07/2023</a:t>
             </a:fld>
             <a:endParaRPr lang="pt-PT"/>
           </a:p>
@@ -1822,7 +1822,7 @@
           <a:p>
             <a:fld id="{0D207CA6-5F4A-49FC-89B5-44753006BB6B}" type="datetimeFigureOut">
               <a:rPr lang="pt-PT" smtClean="0"/>
-              <a:t>10/07/2023</a:t>
+              <a:t>11/07/2023</a:t>
             </a:fld>
             <a:endParaRPr lang="pt-PT"/>
           </a:p>
@@ -1963,7 +1963,7 @@
           <a:p>
             <a:fld id="{0D207CA6-5F4A-49FC-89B5-44753006BB6B}" type="datetimeFigureOut">
               <a:rPr lang="pt-PT" smtClean="0"/>
-              <a:t>10/07/2023</a:t>
+              <a:t>11/07/2023</a:t>
             </a:fld>
             <a:endParaRPr lang="pt-PT"/>
           </a:p>
@@ -2076,7 +2076,7 @@
           <a:p>
             <a:fld id="{0D207CA6-5F4A-49FC-89B5-44753006BB6B}" type="datetimeFigureOut">
               <a:rPr lang="pt-PT" smtClean="0"/>
-              <a:t>10/07/2023</a:t>
+              <a:t>11/07/2023</a:t>
             </a:fld>
             <a:endParaRPr lang="pt-PT"/>
           </a:p>
@@ -2387,7 +2387,7 @@
           <a:p>
             <a:fld id="{0D207CA6-5F4A-49FC-89B5-44753006BB6B}" type="datetimeFigureOut">
               <a:rPr lang="pt-PT" smtClean="0"/>
-              <a:t>10/07/2023</a:t>
+              <a:t>11/07/2023</a:t>
             </a:fld>
             <a:endParaRPr lang="pt-PT"/>
           </a:p>
@@ -2675,7 +2675,7 @@
           <a:p>
             <a:fld id="{0D207CA6-5F4A-49FC-89B5-44753006BB6B}" type="datetimeFigureOut">
               <a:rPr lang="pt-PT" smtClean="0"/>
-              <a:t>10/07/2023</a:t>
+              <a:t>11/07/2023</a:t>
             </a:fld>
             <a:endParaRPr lang="pt-PT"/>
           </a:p>
@@ -2916,7 +2916,7 @@
           <a:p>
             <a:fld id="{0D207CA6-5F4A-49FC-89B5-44753006BB6B}" type="datetimeFigureOut">
               <a:rPr lang="pt-PT" smtClean="0"/>
-              <a:t>10/07/2023</a:t>
+              <a:t>11/07/2023</a:t>
             </a:fld>
             <a:endParaRPr lang="pt-PT"/>
           </a:p>
@@ -25517,21 +25517,7 @@
                 <a:latin typeface="Arial" panose="020B0604020202020204" pitchFamily="34" charset="0"/>
                 <a:cs typeface="Arial" panose="020B0604020202020204" pitchFamily="34" charset="0"/>
               </a:rPr>
-              <a:t>Consciencialização e aprendizagem no uso de ferramentas como o GitHub, GitHub Desktop, VSC e </a:t>
-            </a:r>
-            <a:r>
-              <a:rPr lang="pt-PT" sz="1500" dirty="0" err="1">
-                <a:latin typeface="Arial" panose="020B0604020202020204" pitchFamily="34" charset="0"/>
-                <a:cs typeface="Arial" panose="020B0604020202020204" pitchFamily="34" charset="0"/>
-              </a:rPr>
-              <a:t>notepad</a:t>
-            </a:r>
-            <a:r>
-              <a:rPr lang="pt-PT" sz="1500" dirty="0">
-                <a:latin typeface="Arial" panose="020B0604020202020204" pitchFamily="34" charset="0"/>
-                <a:cs typeface="Arial" panose="020B0604020202020204" pitchFamily="34" charset="0"/>
-              </a:rPr>
-              <a:t>++;</a:t>
+              <a:t>Para além de aprendermos a usar novas ferramentas, como por o exemplo, o Google API… Aprendemos a importância dos gráficos para uma fácil análise e compreensão dos dados. Os gráficos permitem o reconhecimento de padrões e tendências.</a:t>
             </a:r>
           </a:p>
           <a:p>
